--- a/3) Manejo Intermedio de Componentes & Interfaz.pptx
+++ b/3) Manejo Intermedio de Componentes & Interfaz.pptx
@@ -12,6 +12,7 @@
     <p:sldId id="261" r:id="rId6"/>
     <p:sldId id="259" r:id="rId7"/>
     <p:sldId id="262" r:id="rId8"/>
+    <p:sldId id="263" r:id="rId9"/>
   </p:sldIdLst>
   <p:sldSz cx="12192000" cy="6858000"/>
   <p:notesSz cx="6858000" cy="9144000"/>
@@ -289,7 +290,7 @@
           <a:p>
             <a:fld id="{65F84CA3-B026-45EF-80A8-44FC945CC6C8}" type="datetimeFigureOut">
               <a:rPr lang="es-ES" smtClean="0"/>
-              <a:t>29/01/2020</a:t>
+              <a:t>11/03/2020</a:t>
             </a:fld>
             <a:endParaRPr lang="es-ES"/>
           </a:p>
@@ -604,7 +605,7 @@
           <a:p>
             <a:fld id="{65F84CA3-B026-45EF-80A8-44FC945CC6C8}" type="datetimeFigureOut">
               <a:rPr lang="es-ES" smtClean="0"/>
-              <a:t>29/01/2020</a:t>
+              <a:t>11/03/2020</a:t>
             </a:fld>
             <a:endParaRPr lang="es-ES"/>
           </a:p>
@@ -826,7 +827,7 @@
           <a:p>
             <a:fld id="{65F84CA3-B026-45EF-80A8-44FC945CC6C8}" type="datetimeFigureOut">
               <a:rPr lang="es-ES" smtClean="0"/>
-              <a:t>29/01/2020</a:t>
+              <a:t>11/03/2020</a:t>
             </a:fld>
             <a:endParaRPr lang="es-ES"/>
           </a:p>
@@ -1117,7 +1118,7 @@
           <a:p>
             <a:fld id="{65F84CA3-B026-45EF-80A8-44FC945CC6C8}" type="datetimeFigureOut">
               <a:rPr lang="es-ES" smtClean="0"/>
-              <a:t>29/01/2020</a:t>
+              <a:t>11/03/2020</a:t>
             </a:fld>
             <a:endParaRPr lang="es-ES"/>
           </a:p>
@@ -1571,7 +1572,7 @@
           <a:p>
             <a:fld id="{65F84CA3-B026-45EF-80A8-44FC945CC6C8}" type="datetimeFigureOut">
               <a:rPr lang="es-ES" smtClean="0"/>
-              <a:t>29/01/2020</a:t>
+              <a:t>11/03/2020</a:t>
             </a:fld>
             <a:endParaRPr lang="es-ES"/>
           </a:p>
@@ -2147,7 +2148,7 @@
           <a:p>
             <a:fld id="{65F84CA3-B026-45EF-80A8-44FC945CC6C8}" type="datetimeFigureOut">
               <a:rPr lang="es-ES" smtClean="0"/>
-              <a:t>29/01/2020</a:t>
+              <a:t>11/03/2020</a:t>
             </a:fld>
             <a:endParaRPr lang="es-ES"/>
           </a:p>
@@ -3008,7 +3009,7 @@
           <a:p>
             <a:fld id="{65F84CA3-B026-45EF-80A8-44FC945CC6C8}" type="datetimeFigureOut">
               <a:rPr lang="es-ES" smtClean="0"/>
-              <a:t>29/01/2020</a:t>
+              <a:t>11/03/2020</a:t>
             </a:fld>
             <a:endParaRPr lang="es-ES"/>
           </a:p>
@@ -3213,7 +3214,7 @@
           <a:p>
             <a:fld id="{65F84CA3-B026-45EF-80A8-44FC945CC6C8}" type="datetimeFigureOut">
               <a:rPr lang="es-ES" smtClean="0"/>
-              <a:t>29/01/2020</a:t>
+              <a:t>11/03/2020</a:t>
             </a:fld>
             <a:endParaRPr lang="es-ES"/>
           </a:p>
@@ -3427,7 +3428,7 @@
           <a:p>
             <a:fld id="{65F84CA3-B026-45EF-80A8-44FC945CC6C8}" type="datetimeFigureOut">
               <a:rPr lang="es-ES" smtClean="0"/>
-              <a:t>29/01/2020</a:t>
+              <a:t>11/03/2020</a:t>
             </a:fld>
             <a:endParaRPr lang="es-ES"/>
           </a:p>
@@ -3597,7 +3598,7 @@
           <a:p>
             <a:fld id="{65F84CA3-B026-45EF-80A8-44FC945CC6C8}" type="datetimeFigureOut">
               <a:rPr lang="es-ES" smtClean="0"/>
-              <a:t>29/01/2020</a:t>
+              <a:t>11/03/2020</a:t>
             </a:fld>
             <a:endParaRPr lang="es-ES"/>
           </a:p>
@@ -3802,7 +3803,7 @@
           <a:p>
             <a:fld id="{65F84CA3-B026-45EF-80A8-44FC945CC6C8}" type="datetimeFigureOut">
               <a:rPr lang="es-ES" smtClean="0"/>
-              <a:t>29/01/2020</a:t>
+              <a:t>11/03/2020</a:t>
             </a:fld>
             <a:endParaRPr lang="es-ES"/>
           </a:p>
@@ -4082,7 +4083,7 @@
           <a:p>
             <a:fld id="{65F84CA3-B026-45EF-80A8-44FC945CC6C8}" type="datetimeFigureOut">
               <a:rPr lang="es-ES" smtClean="0"/>
-              <a:t>29/01/2020</a:t>
+              <a:t>11/03/2020</a:t>
             </a:fld>
             <a:endParaRPr lang="es-ES"/>
           </a:p>
@@ -4349,7 +4350,7 @@
           <a:p>
             <a:fld id="{65F84CA3-B026-45EF-80A8-44FC945CC6C8}" type="datetimeFigureOut">
               <a:rPr lang="es-ES" smtClean="0"/>
-              <a:t>29/01/2020</a:t>
+              <a:t>11/03/2020</a:t>
             </a:fld>
             <a:endParaRPr lang="es-ES"/>
           </a:p>
@@ -4764,7 +4765,7 @@
           <a:p>
             <a:fld id="{65F84CA3-B026-45EF-80A8-44FC945CC6C8}" type="datetimeFigureOut">
               <a:rPr lang="es-ES" smtClean="0"/>
-              <a:t>29/01/2020</a:t>
+              <a:t>11/03/2020</a:t>
             </a:fld>
             <a:endParaRPr lang="es-ES"/>
           </a:p>
@@ -4912,7 +4913,7 @@
           <a:p>
             <a:fld id="{65F84CA3-B026-45EF-80A8-44FC945CC6C8}" type="datetimeFigureOut">
               <a:rPr lang="es-ES" smtClean="0"/>
-              <a:t>29/01/2020</a:t>
+              <a:t>11/03/2020</a:t>
             </a:fld>
             <a:endParaRPr lang="es-ES"/>
           </a:p>
@@ -5037,7 +5038,7 @@
           <a:p>
             <a:fld id="{65F84CA3-B026-45EF-80A8-44FC945CC6C8}" type="datetimeFigureOut">
               <a:rPr lang="es-ES" smtClean="0"/>
-              <a:t>29/01/2020</a:t>
+              <a:t>11/03/2020</a:t>
             </a:fld>
             <a:endParaRPr lang="es-ES"/>
           </a:p>
@@ -5316,7 +5317,7 @@
           <a:p>
             <a:fld id="{65F84CA3-B026-45EF-80A8-44FC945CC6C8}" type="datetimeFigureOut">
               <a:rPr lang="es-ES" smtClean="0"/>
-              <a:t>29/01/2020</a:t>
+              <a:t>11/03/2020</a:t>
             </a:fld>
             <a:endParaRPr lang="es-ES"/>
           </a:p>
@@ -5631,7 +5632,7 @@
           <a:p>
             <a:fld id="{65F84CA3-B026-45EF-80A8-44FC945CC6C8}" type="datetimeFigureOut">
               <a:rPr lang="es-ES" smtClean="0"/>
-              <a:t>29/01/2020</a:t>
+              <a:t>11/03/2020</a:t>
             </a:fld>
             <a:endParaRPr lang="es-ES"/>
           </a:p>
@@ -5884,7 +5885,7 @@
           <a:p>
             <a:fld id="{65F84CA3-B026-45EF-80A8-44FC945CC6C8}" type="datetimeFigureOut">
               <a:rPr lang="es-ES" smtClean="0"/>
-              <a:t>29/01/2020</a:t>
+              <a:t>11/03/2020</a:t>
             </a:fld>
             <a:endParaRPr lang="es-ES"/>
           </a:p>
@@ -7005,6 +7006,241 @@
 </p:sld>
 </file>
 
+<file path=ppt/slides/slide8.xml><?xml version="1.0" encoding="utf-8"?>
+<p:sld xmlns:a="http://schemas.openxmlformats.org/drawingml/2006/main" xmlns:r="http://schemas.openxmlformats.org/officeDocument/2006/relationships" xmlns:p="http://schemas.openxmlformats.org/presentationml/2006/main">
+  <p:cSld>
+    <p:spTree>
+      <p:nvGrpSpPr>
+        <p:cNvPr id="1" name=""/>
+        <p:cNvGrpSpPr/>
+        <p:nvPr/>
+      </p:nvGrpSpPr>
+      <p:grpSpPr>
+        <a:xfrm>
+          <a:off x="0" y="0"/>
+          <a:ext cx="0" cy="0"/>
+          <a:chOff x="0" y="0"/>
+          <a:chExt cx="0" cy="0"/>
+        </a:xfrm>
+      </p:grpSpPr>
+      <p:sp>
+        <p:nvSpPr>
+          <p:cNvPr id="99" name="CustomShape 1"/>
+          <p:cNvSpPr/>
+          <p:nvPr/>
+        </p:nvSpPr>
+        <p:spPr>
+          <a:xfrm>
+            <a:off x="1915423" y="1701627"/>
+            <a:ext cx="8490896" cy="677108"/>
+          </a:xfrm>
+          <a:prstGeom prst="rect">
+            <a:avLst/>
+          </a:prstGeom>
+          <a:noFill/>
+          <a:ln>
+            <a:noFill/>
+          </a:ln>
+        </p:spPr>
+        <p:style>
+          <a:lnRef idx="0">
+            <a:scrgbClr r="0" g="0" b="0"/>
+          </a:lnRef>
+          <a:fillRef idx="0">
+            <a:scrgbClr r="0" g="0" b="0"/>
+          </a:fillRef>
+          <a:effectRef idx="0">
+            <a:scrgbClr r="0" g="0" b="0"/>
+          </a:effectRef>
+          <a:fontRef idx="minor"/>
+        </p:style>
+        <p:txBody>
+          <a:bodyPr lIns="0" tIns="0" rIns="0" bIns="0" anchor="ctr">
+            <a:spAutoFit/>
+          </a:bodyPr>
+          <a:lstStyle/>
+          <a:p>
+            <a:pPr algn="ctr">
+              <a:lnSpc>
+                <a:spcPct val="100000"/>
+              </a:lnSpc>
+            </a:pPr>
+            <a:r>
+              <a:rPr lang="es-CR" sz="4400" spc="-1" dirty="0">
+                <a:solidFill>
+                  <a:srgbClr val="000000"/>
+                </a:solidFill>
+                <a:latin typeface="Arial"/>
+                <a:ea typeface="DejaVu Sans"/>
+              </a:rPr>
+              <a:t>Muchas gracias </a:t>
+            </a:r>
+            <a:endParaRPr lang="es-CR" sz="4400" spc="-1" dirty="0">
+              <a:latin typeface="Arial"/>
+            </a:endParaRPr>
+          </a:p>
+        </p:txBody>
+      </p:sp>
+      <p:sp>
+        <p:nvSpPr>
+          <p:cNvPr id="100" name="CustomShape 2"/>
+          <p:cNvSpPr/>
+          <p:nvPr/>
+        </p:nvSpPr>
+        <p:spPr>
+          <a:xfrm>
+            <a:off x="3501619" y="3551580"/>
+            <a:ext cx="5318503" cy="430887"/>
+          </a:xfrm>
+          <a:prstGeom prst="rect">
+            <a:avLst/>
+          </a:prstGeom>
+          <a:noFill/>
+          <a:ln>
+            <a:noFill/>
+          </a:ln>
+        </p:spPr>
+        <p:style>
+          <a:lnRef idx="0">
+            <a:scrgbClr r="0" g="0" b="0"/>
+          </a:lnRef>
+          <a:fillRef idx="0">
+            <a:scrgbClr r="0" g="0" b="0"/>
+          </a:fillRef>
+          <a:effectRef idx="0">
+            <a:scrgbClr r="0" g="0" b="0"/>
+          </a:effectRef>
+          <a:fontRef idx="minor"/>
+        </p:style>
+        <p:txBody>
+          <a:bodyPr wrap="square" lIns="0" tIns="0" rIns="0" bIns="0" anchor="ctr">
+            <a:spAutoFit/>
+          </a:bodyPr>
+          <a:lstStyle/>
+          <a:p>
+            <a:pPr>
+              <a:lnSpc>
+                <a:spcPct val="100000"/>
+              </a:lnSpc>
+            </a:pPr>
+            <a:r>
+              <a:rPr lang="es-CR" sz="2800" spc="-1" dirty="0">
+                <a:solidFill>
+                  <a:srgbClr val="000000"/>
+                </a:solidFill>
+                <a:latin typeface="Arial"/>
+                <a:ea typeface="DejaVu Sans"/>
+              </a:rPr>
+              <a:t>Vea el curso básico completo en:</a:t>
+            </a:r>
+            <a:endParaRPr lang="es-CR" sz="2800" spc="-1" dirty="0">
+              <a:latin typeface="Arial"/>
+            </a:endParaRPr>
+          </a:p>
+        </p:txBody>
+      </p:sp>
+      <p:sp>
+        <p:nvSpPr>
+          <p:cNvPr id="101" name="CustomShape 3"/>
+          <p:cNvSpPr/>
+          <p:nvPr/>
+        </p:nvSpPr>
+        <p:spPr>
+          <a:xfrm>
+            <a:off x="3436748" y="4312690"/>
+            <a:ext cx="5318503" cy="451775"/>
+          </a:xfrm>
+          <a:prstGeom prst="rect">
+            <a:avLst/>
+          </a:prstGeom>
+          <a:noFill/>
+          <a:ln>
+            <a:noFill/>
+          </a:ln>
+        </p:spPr>
+        <p:style>
+          <a:lnRef idx="0">
+            <a:scrgbClr r="0" g="0" b="0"/>
+          </a:lnRef>
+          <a:fillRef idx="0">
+            <a:scrgbClr r="0" g="0" b="0"/>
+          </a:fillRef>
+          <a:effectRef idx="0">
+            <a:scrgbClr r="0" g="0" b="0"/>
+          </a:effectRef>
+          <a:fontRef idx="minor"/>
+        </p:style>
+        <p:txBody>
+          <a:bodyPr wrap="square" lIns="81646" tIns="40823" rIns="81646" bIns="40823">
+            <a:spAutoFit/>
+          </a:bodyPr>
+          <a:lstStyle/>
+          <a:p>
+            <a:pPr marL="195955" indent="-195629">
+              <a:spcBef>
+                <a:spcPts val="1080"/>
+              </a:spcBef>
+              <a:spcAft>
+                <a:spcPts val="900"/>
+              </a:spcAft>
+              <a:buClr>
+                <a:srgbClr val="000000"/>
+              </a:buClr>
+              <a:buSzPct val="45000"/>
+              <a:buFont typeface="Wingdings" charset="2"/>
+              <a:buChar char=""/>
+            </a:pPr>
+            <a:r>
+              <a:rPr lang="es-CR" sz="2400" u="sng" spc="-1" dirty="0">
+                <a:solidFill>
+                  <a:srgbClr val="0000FF"/>
+                </a:solidFill>
+                <a:latin typeface="Arial"/>
+                <a:hlinkClick r:id="rId2"/>
+              </a:rPr>
+              <a:t>https://profesantiago.github.io/React</a:t>
+            </a:r>
+            <a:endParaRPr lang="es-CR" sz="2400" spc="-1" dirty="0">
+              <a:latin typeface="Arial"/>
+            </a:endParaRPr>
+          </a:p>
+        </p:txBody>
+      </p:sp>
+    </p:spTree>
+  </p:cSld>
+  <p:clrMapOvr>
+    <a:masterClrMapping/>
+  </p:clrMapOvr>
+  <p:timing>
+    <p:tnLst>
+      <p:par>
+        <p:cTn id="1" dur="indefinite" restart="never" nodeType="tmRoot">
+          <p:childTnLst>
+            <p:seq>
+              <p:cTn id="2" dur="indefinite" nodeType="mainSeq"/>
+              <p:prevCondLst>
+                <p:cond evt="onPrev" delay="0">
+                  <p:tgtEl>
+                    <p:sldTgt/>
+                  </p:tgtEl>
+                </p:cond>
+              </p:prevCondLst>
+              <p:nextCondLst>
+                <p:cond evt="onNext" delay="0">
+                  <p:tgtEl>
+                    <p:sldTgt/>
+                  </p:tgtEl>
+                </p:cond>
+              </p:nextCondLst>
+            </p:seq>
+          </p:childTnLst>
+        </p:cTn>
+      </p:par>
+    </p:tnLst>
+  </p:timing>
+</p:sld>
+</file>
+
 <file path=ppt/theme/theme1.xml><?xml version="1.0" encoding="utf-8"?>
 <a:theme xmlns:a="http://schemas.openxmlformats.org/drawingml/2006/main" name="Gota">
   <a:themeElements>
